--- a/Blockchain.pptx
+++ b/Blockchain.pptx
@@ -16,11 +16,14 @@
     <p:sldId id="271" r:id="rId10"/>
     <p:sldId id="272" r:id="rId11"/>
     <p:sldId id="295" r:id="rId12"/>
-    <p:sldId id="333" r:id="rId13"/>
-    <p:sldId id="332" r:id="rId14"/>
-    <p:sldId id="331" r:id="rId15"/>
-    <p:sldId id="270" r:id="rId16"/>
-    <p:sldId id="294" r:id="rId17"/>
+    <p:sldId id="336" r:id="rId13"/>
+    <p:sldId id="333" r:id="rId14"/>
+    <p:sldId id="334" r:id="rId15"/>
+    <p:sldId id="332" r:id="rId16"/>
+    <p:sldId id="335" r:id="rId17"/>
+    <p:sldId id="331" r:id="rId18"/>
+    <p:sldId id="270" r:id="rId19"/>
+    <p:sldId id="294" r:id="rId20"/>
   </p:sldIdLst>
   <p:sldSz cx="12192000" cy="6858000"/>
   <p:notesSz cx="6858000" cy="9144000"/>
@@ -135,8 +138,11 @@
             <p14:sldId id="271"/>
             <p14:sldId id="272"/>
             <p14:sldId id="295"/>
+            <p14:sldId id="336"/>
             <p14:sldId id="333"/>
+            <p14:sldId id="334"/>
             <p14:sldId id="332"/>
+            <p14:sldId id="335"/>
             <p14:sldId id="331"/>
             <p14:sldId id="270"/>
             <p14:sldId id="294"/>
@@ -3702,13 +3708,13 @@
               </a:ext>
             </a:extLst>
           </a:blip>
-          <a:srcRect t="652"/>
+          <a:srcRect l="6828" t="14061" r="6907" b="8939"/>
           <a:stretch/>
         </p:blipFill>
         <p:spPr>
           <a:xfrm>
-            <a:off x="2041585" y="656823"/>
-            <a:ext cx="8108830" cy="6062266"/>
+            <a:off x="1790162" y="811369"/>
+            <a:ext cx="8538693" cy="5743977"/>
           </a:xfrm>
           <a:prstGeom prst="rect">
             <a:avLst/>
@@ -3870,59 +3876,74 @@
           <a:chExt cx="0" cy="0"/>
         </a:xfrm>
       </p:grpSpPr>
+      <p:sp>
+        <p:nvSpPr>
+          <p:cNvPr id="2" name="Title 1">
+            <a:extLst>
+              <a:ext uri="{FF2B5EF4-FFF2-40B4-BE49-F238E27FC236}">
+                <a16:creationId xmlns:a16="http://schemas.microsoft.com/office/drawing/2014/main" id="{256BF724-354C-4F62-A191-F6D964ACD0E6}"/>
+              </a:ext>
+            </a:extLst>
+          </p:cNvPr>
+          <p:cNvSpPr>
+            <a:spLocks noGrp="1"/>
+          </p:cNvSpPr>
+          <p:nvPr>
+            <p:ph type="title"/>
+          </p:nvPr>
+        </p:nvSpPr>
+        <p:spPr>
+          <a:xfrm>
+            <a:off x="838200" y="365126"/>
+            <a:ext cx="10515600" cy="884126"/>
+          </a:xfrm>
+        </p:spPr>
+        <p:txBody>
+          <a:bodyPr>
+            <a:normAutofit/>
+          </a:bodyPr>
+          <a:lstStyle/>
+          <a:p>
+            <a:r>
+              <a:rPr lang="en-US" sz="3600" dirty="0"/>
+              <a:t>Block diagram</a:t>
+            </a:r>
+          </a:p>
+        </p:txBody>
+      </p:sp>
       <p:pic>
         <p:nvPicPr>
-          <p:cNvPr id="2050" name="Picture 2" descr="What are Smart Contracts and how do they work? — Bitpanda Academy">
-            <a:extLst>
-              <a:ext uri="{FF2B5EF4-FFF2-40B4-BE49-F238E27FC236}">
-                <a16:creationId xmlns:a16="http://schemas.microsoft.com/office/drawing/2014/main" id="{CABDABFD-7118-C33E-BD69-8298758112DA}"/>
+          <p:cNvPr id="5" name="Content Placeholder 4">
+            <a:extLst>
+              <a:ext uri="{FF2B5EF4-FFF2-40B4-BE49-F238E27FC236}">
+                <a16:creationId xmlns:a16="http://schemas.microsoft.com/office/drawing/2014/main" id="{FCB41FAD-A7B6-4E86-88B9-0C215DB911DD}"/>
               </a:ext>
             </a:extLst>
           </p:cNvPr>
           <p:cNvPicPr>
-            <a:picLocks noGrp="1" noChangeAspect="1" noChangeArrowheads="1"/>
+            <a:picLocks noGrp="1" noChangeAspect="1"/>
           </p:cNvPicPr>
           <p:nvPr>
             <p:ph idx="1"/>
           </p:nvPr>
         </p:nvPicPr>
         <p:blipFill>
-          <a:blip r:embed="rId2">
-            <a:extLst>
-              <a:ext uri="{28A0092B-C50C-407E-A947-70E740481C1C}">
-                <a14:useLocalDpi xmlns:a14="http://schemas.microsoft.com/office/drawing/2010/main" val="0"/>
-              </a:ext>
-            </a:extLst>
-          </a:blip>
-          <a:srcRect/>
+          <a:blip r:embed="rId2"/>
           <a:stretch>
             <a:fillRect/>
           </a:stretch>
         </p:blipFill>
-        <p:spPr bwMode="auto">
+        <p:spPr>
           <a:xfrm>
-            <a:off x="2380890" y="-1"/>
-            <a:ext cx="7504982" cy="6676845"/>
+            <a:off x="2601531" y="1056068"/>
+            <a:ext cx="7534142" cy="5436806"/>
           </a:xfrm>
-          <a:prstGeom prst="rect">
-            <a:avLst/>
-          </a:prstGeom>
-          <a:noFill/>
-          <a:extLst>
-            <a:ext uri="{909E8E84-426E-40DD-AFC4-6F175D3DCCD1}">
-              <a14:hiddenFill xmlns:a14="http://schemas.microsoft.com/office/drawing/2010/main">
-                <a:solidFill>
-                  <a:srgbClr val="FFFFFF"/>
-                </a:solidFill>
-              </a14:hiddenFill>
-            </a:ext>
-          </a:extLst>
         </p:spPr>
       </p:pic>
     </p:spTree>
     <p:extLst>
       <p:ext uri="{BB962C8B-B14F-4D97-AF65-F5344CB8AC3E}">
-        <p14:creationId xmlns:p14="http://schemas.microsoft.com/office/powerpoint/2010/main" val="1821578200"/>
+        <p14:creationId xmlns:p14="http://schemas.microsoft.com/office/powerpoint/2010/main" val="395584890"/>
       </p:ext>
     </p:extLst>
   </p:cSld>
@@ -3949,11 +3970,227 @@
           <a:chExt cx="0" cy="0"/>
         </a:xfrm>
       </p:grpSpPr>
+      <p:pic>
+        <p:nvPicPr>
+          <p:cNvPr id="4" name="Content Placeholder 3">
+            <a:extLst>
+              <a:ext uri="{FF2B5EF4-FFF2-40B4-BE49-F238E27FC236}">
+                <a16:creationId xmlns:a16="http://schemas.microsoft.com/office/drawing/2014/main" id="{12DA7BA3-DAEF-4005-93F4-7DA5DA0C2ABD}"/>
+              </a:ext>
+            </a:extLst>
+          </p:cNvPr>
+          <p:cNvPicPr>
+            <a:picLocks noGrp="1" noChangeAspect="1"/>
+          </p:cNvPicPr>
+          <p:nvPr>
+            <p:ph idx="1"/>
+          </p:nvPr>
+        </p:nvPicPr>
+        <p:blipFill>
+          <a:blip r:embed="rId2"/>
+          <a:stretch>
+            <a:fillRect/>
+          </a:stretch>
+        </p:blipFill>
+        <p:spPr>
+          <a:xfrm>
+            <a:off x="1357313" y="914755"/>
+            <a:ext cx="9477373" cy="5028490"/>
+          </a:xfrm>
+        </p:spPr>
+      </p:pic>
+    </p:spTree>
+    <p:extLst>
+      <p:ext uri="{BB962C8B-B14F-4D97-AF65-F5344CB8AC3E}">
+        <p14:creationId xmlns:p14="http://schemas.microsoft.com/office/powerpoint/2010/main" val="1821578200"/>
+      </p:ext>
+    </p:extLst>
+  </p:cSld>
+  <p:clrMapOvr>
+    <a:masterClrMapping/>
+  </p:clrMapOvr>
+</p:sld>
+</file>
+
+<file path=ppt/slides/slide14.xml><?xml version="1.0" encoding="utf-8"?>
+<p:sld xmlns:a="http://schemas.openxmlformats.org/drawingml/2006/main" xmlns:r="http://schemas.openxmlformats.org/officeDocument/2006/relationships" xmlns:p="http://schemas.openxmlformats.org/presentationml/2006/main">
+  <p:cSld>
+    <p:spTree>
+      <p:nvGrpSpPr>
+        <p:cNvPr id="1" name=""/>
+        <p:cNvGrpSpPr/>
+        <p:nvPr/>
+      </p:nvGrpSpPr>
+      <p:grpSpPr>
+        <a:xfrm>
+          <a:off x="0" y="0"/>
+          <a:ext cx="0" cy="0"/>
+          <a:chOff x="0" y="0"/>
+          <a:chExt cx="0" cy="0"/>
+        </a:xfrm>
+      </p:grpSpPr>
       <p:sp>
         <p:nvSpPr>
           <p:cNvPr id="2" name="Title 1">
             <a:extLst>
               <a:ext uri="{FF2B5EF4-FFF2-40B4-BE49-F238E27FC236}">
+                <a16:creationId xmlns:a16="http://schemas.microsoft.com/office/drawing/2014/main" id="{780325C0-1175-4DDB-B575-651D1282AC0A}"/>
+              </a:ext>
+            </a:extLst>
+          </p:cNvPr>
+          <p:cNvSpPr>
+            <a:spLocks noGrp="1"/>
+          </p:cNvSpPr>
+          <p:nvPr>
+            <p:ph type="title"/>
+          </p:nvPr>
+        </p:nvSpPr>
+        <p:spPr>
+          <a:xfrm>
+            <a:off x="838200" y="365125"/>
+            <a:ext cx="10515600" cy="1038672"/>
+          </a:xfrm>
+        </p:spPr>
+        <p:txBody>
+          <a:bodyPr>
+            <a:normAutofit/>
+          </a:bodyPr>
+          <a:lstStyle/>
+          <a:p>
+            <a:r>
+              <a:rPr lang="en-US" sz="3600" dirty="0">
+                <a:latin typeface="Times New Roman" panose="02020603050405020304" pitchFamily="18" charset="0"/>
+                <a:cs typeface="Times New Roman" panose="02020603050405020304" pitchFamily="18" charset="0"/>
+              </a:rPr>
+              <a:t>Ethereum Blockchain</a:t>
+            </a:r>
+          </a:p>
+        </p:txBody>
+      </p:sp>
+      <p:sp>
+        <p:nvSpPr>
+          <p:cNvPr id="3" name="Content Placeholder 2">
+            <a:extLst>
+              <a:ext uri="{FF2B5EF4-FFF2-40B4-BE49-F238E27FC236}">
+                <a16:creationId xmlns:a16="http://schemas.microsoft.com/office/drawing/2014/main" id="{CEA5A503-6449-48D9-87B4-62545B519C36}"/>
+              </a:ext>
+            </a:extLst>
+          </p:cNvPr>
+          <p:cNvSpPr>
+            <a:spLocks noGrp="1"/>
+          </p:cNvSpPr>
+          <p:nvPr>
+            <p:ph idx="1"/>
+          </p:nvPr>
+        </p:nvSpPr>
+        <p:spPr>
+          <a:xfrm>
+            <a:off x="838200" y="1635617"/>
+            <a:ext cx="10515600" cy="4541346"/>
+          </a:xfrm>
+        </p:spPr>
+        <p:txBody>
+          <a:bodyPr>
+            <a:normAutofit/>
+          </a:bodyPr>
+          <a:lstStyle/>
+          <a:p>
+            <a:pPr>
+              <a:lnSpc>
+                <a:spcPct val="150000"/>
+              </a:lnSpc>
+              <a:spcBef>
+                <a:spcPts val="0"/>
+              </a:spcBef>
+              <a:spcAft>
+                <a:spcPts val="600"/>
+              </a:spcAft>
+            </a:pPr>
+            <a:r>
+              <a:rPr lang="en-US" dirty="0">
+                <a:latin typeface="Times New Roman" panose="02020603050405020304" pitchFamily="18" charset="0"/>
+                <a:cs typeface="Times New Roman" panose="02020603050405020304" pitchFamily="18" charset="0"/>
+              </a:rPr>
+              <a:t>KECCAK – 256</a:t>
+            </a:r>
+          </a:p>
+          <a:p>
+            <a:pPr>
+              <a:lnSpc>
+                <a:spcPct val="150000"/>
+              </a:lnSpc>
+              <a:spcBef>
+                <a:spcPts val="0"/>
+              </a:spcBef>
+              <a:spcAft>
+                <a:spcPts val="600"/>
+              </a:spcAft>
+            </a:pPr>
+            <a:r>
+              <a:rPr lang="en-US" dirty="0">
+                <a:latin typeface="Times New Roman" panose="02020603050405020304" pitchFamily="18" charset="0"/>
+                <a:cs typeface="Times New Roman" panose="02020603050405020304" pitchFamily="18" charset="0"/>
+              </a:rPr>
+              <a:t>Elliptic Curve Digital Signature Algorithm</a:t>
+            </a:r>
+          </a:p>
+          <a:p>
+            <a:pPr>
+              <a:lnSpc>
+                <a:spcPct val="150000"/>
+              </a:lnSpc>
+              <a:spcBef>
+                <a:spcPts val="0"/>
+              </a:spcBef>
+              <a:spcAft>
+                <a:spcPts val="600"/>
+              </a:spcAft>
+            </a:pPr>
+            <a:r>
+              <a:rPr lang="en-US" dirty="0">
+                <a:latin typeface="Times New Roman" panose="02020603050405020304" pitchFamily="18" charset="0"/>
+                <a:cs typeface="Times New Roman" panose="02020603050405020304" pitchFamily="18" charset="0"/>
+              </a:rPr>
+              <a:t>Ethereum Virtual Machine</a:t>
+            </a:r>
+          </a:p>
+        </p:txBody>
+      </p:sp>
+    </p:spTree>
+    <p:extLst>
+      <p:ext uri="{BB962C8B-B14F-4D97-AF65-F5344CB8AC3E}">
+        <p14:creationId xmlns:p14="http://schemas.microsoft.com/office/powerpoint/2010/main" val="3301302583"/>
+      </p:ext>
+    </p:extLst>
+  </p:cSld>
+  <p:clrMapOvr>
+    <a:masterClrMapping/>
+  </p:clrMapOvr>
+</p:sld>
+</file>
+
+<file path=ppt/slides/slide15.xml><?xml version="1.0" encoding="utf-8"?>
+<p:sld xmlns:a="http://schemas.openxmlformats.org/drawingml/2006/main" xmlns:r="http://schemas.openxmlformats.org/officeDocument/2006/relationships" xmlns:p="http://schemas.openxmlformats.org/presentationml/2006/main">
+  <p:cSld>
+    <p:spTree>
+      <p:nvGrpSpPr>
+        <p:cNvPr id="1" name=""/>
+        <p:cNvGrpSpPr/>
+        <p:nvPr/>
+      </p:nvGrpSpPr>
+      <p:grpSpPr>
+        <a:xfrm>
+          <a:off x="0" y="0"/>
+          <a:ext cx="0" cy="0"/>
+          <a:chOff x="0" y="0"/>
+          <a:chExt cx="0" cy="0"/>
+        </a:xfrm>
+      </p:grpSpPr>
+      <p:sp>
+        <p:nvSpPr>
+          <p:cNvPr id="2" name="Title 1">
+            <a:extLst>
+              <a:ext uri="{FF2B5EF4-FFF2-40B4-BE49-F238E27FC236}">
                 <a16:creationId xmlns:a16="http://schemas.microsoft.com/office/drawing/2014/main" id="{745A01E5-5DB2-B2BD-DB0A-2F61E3EB345D}"/>
               </a:ext>
             </a:extLst>
@@ -3967,11 +4204,16 @@
         </p:nvSpPr>
         <p:spPr/>
         <p:txBody>
-          <a:bodyPr/>
-          <a:lstStyle/>
-          <a:p>
-            <a:r>
-              <a:rPr lang="en-US" dirty="0"/>
+          <a:bodyPr>
+            <a:normAutofit/>
+          </a:bodyPr>
+          <a:lstStyle/>
+          <a:p>
+            <a:r>
+              <a:rPr lang="en-US" sz="3600" dirty="0">
+                <a:latin typeface="Times New Roman" panose="02020603050405020304" pitchFamily="18" charset="0"/>
+                <a:cs typeface="Times New Roman" panose="02020603050405020304" pitchFamily="18" charset="0"/>
+              </a:rPr>
               <a:t>Digital Signature</a:t>
             </a:r>
           </a:p>
@@ -4008,8 +4250,8 @@
         </p:blipFill>
         <p:spPr bwMode="auto">
           <a:xfrm>
-            <a:off x="1931000" y="2363794"/>
-            <a:ext cx="8330000" cy="3275000"/>
+            <a:off x="1930999" y="1841679"/>
+            <a:ext cx="8526645" cy="3797115"/>
           </a:xfrm>
           <a:prstGeom prst="rect">
             <a:avLst/>
@@ -4039,7 +4281,7 @@
 </p:sld>
 </file>
 
-<file path=ppt/slides/slide14.xml><?xml version="1.0" encoding="utf-8"?>
+<file path=ppt/slides/slide16.xml><?xml version="1.0" encoding="utf-8"?>
 <p:sld xmlns:a="http://schemas.openxmlformats.org/drawingml/2006/main" xmlns:r="http://schemas.openxmlformats.org/officeDocument/2006/relationships" xmlns:p="http://schemas.openxmlformats.org/presentationml/2006/main">
   <p:cSld>
     <p:spTree>
@@ -4058,240 +4300,100 @@
       </p:grpSpPr>
       <p:sp>
         <p:nvSpPr>
-          <p:cNvPr id="4" name="Content Placeholder 2">
-            <a:extLst>
-              <a:ext uri="{FF2B5EF4-FFF2-40B4-BE49-F238E27FC236}">
-                <a16:creationId xmlns:a16="http://schemas.microsoft.com/office/drawing/2014/main" id="{79AA00C7-B110-4AEF-AF59-614B784188B2}"/>
-              </a:ext>
-            </a:extLst>
-          </p:cNvPr>
-          <p:cNvSpPr>
-            <a:spLocks noGrp="1"/>
-          </p:cNvSpPr>
-          <p:nvPr>
-            <p:ph idx="1"/>
+          <p:cNvPr id="2" name="Title 1">
+            <a:extLst>
+              <a:ext uri="{FF2B5EF4-FFF2-40B4-BE49-F238E27FC236}">
+                <a16:creationId xmlns:a16="http://schemas.microsoft.com/office/drawing/2014/main" id="{3A20A623-6CBF-481B-82E1-AB189C2AD822}"/>
+              </a:ext>
+            </a:extLst>
+          </p:cNvPr>
+          <p:cNvSpPr>
+            <a:spLocks noGrp="1"/>
+          </p:cNvSpPr>
+          <p:nvPr>
+            <p:ph type="title"/>
           </p:nvPr>
         </p:nvSpPr>
         <p:spPr>
           <a:xfrm>
-            <a:off x="838200" y="605307"/>
-            <a:ext cx="10515600" cy="5636050"/>
+            <a:off x="838200" y="442400"/>
+            <a:ext cx="10515600" cy="884126"/>
           </a:xfrm>
         </p:spPr>
         <p:txBody>
-          <a:bodyPr vert="horz" lIns="91440" tIns="45720" rIns="91440" bIns="45720" rtlCol="0" anchor="t">
-            <a:normAutofit lnSpcReduction="10000"/>
+          <a:bodyPr>
+            <a:normAutofit/>
           </a:bodyPr>
           <a:lstStyle/>
           <a:p>
-            <a:pPr marL="0" indent="0">
-              <a:lnSpc>
-                <a:spcPct val="160000"/>
-              </a:lnSpc>
-              <a:spcBef>
-                <a:spcPts val="0"/>
-              </a:spcBef>
-              <a:spcAft>
-                <a:spcPts val="600"/>
-              </a:spcAft>
-              <a:buNone/>
-            </a:pPr>
-            <a:r>
-              <a:rPr lang="en-US" sz="2400" b="1" dirty="0">
+            <a:r>
+              <a:rPr lang="en-US" sz="3600" dirty="0">
                 <a:latin typeface="Times New Roman" panose="02020603050405020304" pitchFamily="18" charset="0"/>
                 <a:cs typeface="Times New Roman" panose="02020603050405020304" pitchFamily="18" charset="0"/>
               </a:rPr>
-              <a:t>Frontend development:</a:t>
-            </a:r>
-            <a:endParaRPr lang="en-US" sz="2400" b="1" dirty="0">
-              <a:latin typeface="Times New Roman"/>
-              <a:cs typeface="Times New Roman"/>
-            </a:endParaRPr>
-          </a:p>
-          <a:p>
-            <a:pPr>
-              <a:lnSpc>
-                <a:spcPct val="160000"/>
-              </a:lnSpc>
-              <a:spcBef>
-                <a:spcPts val="0"/>
-              </a:spcBef>
-              <a:spcAft>
-                <a:spcPts val="600"/>
-              </a:spcAft>
-            </a:pPr>
-            <a:r>
-              <a:rPr lang="en-US" sz="2400" b="1" dirty="0">
+              <a:t>Proof of Work</a:t>
+            </a:r>
+          </a:p>
+        </p:txBody>
+      </p:sp>
+      <p:sp>
+        <p:nvSpPr>
+          <p:cNvPr id="3" name="Content Placeholder 2">
+            <a:extLst>
+              <a:ext uri="{FF2B5EF4-FFF2-40B4-BE49-F238E27FC236}">
+                <a16:creationId xmlns:a16="http://schemas.microsoft.com/office/drawing/2014/main" id="{7CC100BB-F199-4648-AF30-E5F892F9C2E5}"/>
+              </a:ext>
+            </a:extLst>
+          </p:cNvPr>
+          <p:cNvSpPr>
+            <a:spLocks noGrp="1"/>
+          </p:cNvSpPr>
+          <p:nvPr>
+            <p:ph idx="1"/>
+          </p:nvPr>
+        </p:nvSpPr>
+        <p:spPr>
+          <a:xfrm>
+            <a:off x="838200" y="1725769"/>
+            <a:ext cx="10515600" cy="4451194"/>
+          </a:xfrm>
+        </p:spPr>
+        <p:txBody>
+          <a:bodyPr>
+            <a:normAutofit/>
+          </a:bodyPr>
+          <a:lstStyle/>
+          <a:p>
+            <a:r>
+              <a:rPr lang="en-US" sz="2400" dirty="0">
                 <a:latin typeface="Times New Roman" panose="02020603050405020304" pitchFamily="18" charset="0"/>
                 <a:cs typeface="Times New Roman" panose="02020603050405020304" pitchFamily="18" charset="0"/>
               </a:rPr>
-              <a:t>JavaScript – React</a:t>
-            </a:r>
-          </a:p>
-          <a:p>
-            <a:pPr>
-              <a:lnSpc>
-                <a:spcPct val="160000"/>
-              </a:lnSpc>
-              <a:spcBef>
-                <a:spcPts val="0"/>
-              </a:spcBef>
-              <a:spcAft>
-                <a:spcPts val="600"/>
-              </a:spcAft>
-            </a:pPr>
-            <a:r>
-              <a:rPr lang="en-US" sz="2400" b="1" dirty="0">
-                <a:latin typeface="Times New Roman"/>
-                <a:cs typeface="Times New Roman"/>
-              </a:rPr>
-              <a:t>CSS</a:t>
-            </a:r>
-          </a:p>
-          <a:p>
-            <a:pPr marL="0" indent="0">
-              <a:lnSpc>
-                <a:spcPct val="160000"/>
-              </a:lnSpc>
-              <a:spcBef>
-                <a:spcPts val="0"/>
-              </a:spcBef>
-              <a:spcAft>
-                <a:spcPts val="600"/>
-              </a:spcAft>
-              <a:buNone/>
-            </a:pPr>
-            <a:endParaRPr lang="en-US" sz="2400" b="1" dirty="0">
-              <a:latin typeface="Times New Roman"/>
-              <a:ea typeface="+mn-lt"/>
-              <a:cs typeface="Times New Roman"/>
-            </a:endParaRPr>
-          </a:p>
-          <a:p>
-            <a:pPr marL="0" indent="0">
-              <a:lnSpc>
-                <a:spcPct val="160000"/>
-              </a:lnSpc>
-              <a:spcBef>
-                <a:spcPts val="0"/>
-              </a:spcBef>
-              <a:spcAft>
-                <a:spcPts val="600"/>
-              </a:spcAft>
-              <a:buNone/>
-            </a:pPr>
-            <a:r>
-              <a:rPr lang="en-US" sz="2400" b="1" dirty="0">
-                <a:latin typeface="Times New Roman"/>
-                <a:cs typeface="Times New Roman"/>
-              </a:rPr>
-              <a:t>Backend development:</a:t>
-            </a:r>
-          </a:p>
-          <a:p>
-            <a:pPr>
-              <a:lnSpc>
-                <a:spcPct val="150000"/>
-              </a:lnSpc>
-              <a:spcBef>
-                <a:spcPts val="0"/>
-              </a:spcBef>
-              <a:spcAft>
-                <a:spcPts val="600"/>
-              </a:spcAft>
-            </a:pPr>
-            <a:r>
-              <a:rPr lang="en-US" sz="2400" b="1" dirty="0">
-                <a:latin typeface="Times New Roman"/>
-                <a:cs typeface="Times New Roman"/>
-              </a:rPr>
-              <a:t>Node JS</a:t>
-            </a:r>
-          </a:p>
-          <a:p>
-            <a:pPr>
-              <a:lnSpc>
-                <a:spcPct val="150000"/>
-              </a:lnSpc>
-              <a:spcBef>
-                <a:spcPts val="0"/>
-              </a:spcBef>
-              <a:spcAft>
-                <a:spcPts val="600"/>
-              </a:spcAft>
-            </a:pPr>
-            <a:r>
-              <a:rPr lang="en-US" sz="2400" b="1" dirty="0">
-                <a:latin typeface="Times New Roman"/>
-                <a:cs typeface="Times New Roman"/>
-              </a:rPr>
-              <a:t>Mango DB</a:t>
-            </a:r>
-          </a:p>
-          <a:p>
-            <a:pPr>
-              <a:lnSpc>
-                <a:spcPct val="150000"/>
-              </a:lnSpc>
-              <a:spcBef>
-                <a:spcPts val="0"/>
-              </a:spcBef>
-              <a:spcAft>
-                <a:spcPts val="600"/>
-              </a:spcAft>
-            </a:pPr>
-            <a:r>
-              <a:rPr lang="en-US" sz="2400" b="1" dirty="0">
-                <a:latin typeface="Times New Roman"/>
-                <a:cs typeface="Times New Roman"/>
-              </a:rPr>
-              <a:t>Solidity</a:t>
-            </a:r>
-          </a:p>
-          <a:p>
-            <a:pPr>
-              <a:lnSpc>
-                <a:spcPct val="150000"/>
-              </a:lnSpc>
-              <a:spcBef>
-                <a:spcPts val="0"/>
-              </a:spcBef>
-              <a:spcAft>
-                <a:spcPts val="600"/>
-              </a:spcAft>
-            </a:pPr>
-            <a:r>
-              <a:rPr lang="en-US" sz="2400" b="1" dirty="0">
-                <a:latin typeface="Times New Roman"/>
-                <a:cs typeface="Times New Roman"/>
-              </a:rPr>
-              <a:t>IPFS</a:t>
-            </a:r>
-          </a:p>
-          <a:p>
-            <a:pPr marL="0" indent="0">
-              <a:lnSpc>
-                <a:spcPct val="160000"/>
-              </a:lnSpc>
-              <a:spcBef>
-                <a:spcPts val="0"/>
-              </a:spcBef>
-              <a:spcAft>
-                <a:spcPts val="600"/>
-              </a:spcAft>
-              <a:buNone/>
-            </a:pPr>
-            <a:endParaRPr lang="en-US" sz="2400" dirty="0">
-              <a:ea typeface="+mn-lt"/>
-              <a:cs typeface="+mn-lt"/>
-            </a:endParaRPr>
+              <a:t>One of the consensus algorithms used worldwide</a:t>
+            </a:r>
+          </a:p>
+          <a:p>
+            <a:r>
+              <a:rPr lang="en-US" sz="2400" dirty="0" err="1">
+                <a:latin typeface="Times New Roman" panose="02020603050405020304" pitchFamily="18" charset="0"/>
+                <a:cs typeface="Times New Roman" panose="02020603050405020304" pitchFamily="18" charset="0"/>
+              </a:rPr>
+              <a:t>PoW</a:t>
+            </a:r>
+            <a:r>
+              <a:rPr lang="en-US" sz="2400" dirty="0">
+                <a:latin typeface="Times New Roman" panose="02020603050405020304" pitchFamily="18" charset="0"/>
+                <a:cs typeface="Times New Roman" panose="02020603050405020304" pitchFamily="18" charset="0"/>
+              </a:rPr>
+              <a:t> algorithm is used to verify a transaction, mine the block, distribute the mined block to every node, and add the block to block chain.</a:t>
+            </a:r>
           </a:p>
         </p:txBody>
       </p:sp>
     </p:spTree>
     <p:extLst>
       <p:ext uri="{BB962C8B-B14F-4D97-AF65-F5344CB8AC3E}">
-        <p14:creationId xmlns:p14="http://schemas.microsoft.com/office/powerpoint/2010/main" val="587948041"/>
+        <p14:creationId xmlns:p14="http://schemas.microsoft.com/office/powerpoint/2010/main" val="2561627753"/>
       </p:ext>
     </p:extLst>
   </p:cSld>
@@ -4301,7 +4403,7 @@
 </p:sld>
 </file>
 
-<file path=ppt/slides/slide15.xml><?xml version="1.0" encoding="utf-8"?>
+<file path=ppt/slides/slide17.xml><?xml version="1.0" encoding="utf-8"?>
 <p:sld xmlns:a="http://schemas.openxmlformats.org/drawingml/2006/main" xmlns:r="http://schemas.openxmlformats.org/officeDocument/2006/relationships" xmlns:p="http://schemas.openxmlformats.org/presentationml/2006/main">
   <p:cSld>
     <p:spTree>
@@ -4320,6 +4422,299 @@
       </p:grpSpPr>
       <p:sp>
         <p:nvSpPr>
+          <p:cNvPr id="4" name="Content Placeholder 2">
+            <a:extLst>
+              <a:ext uri="{FF2B5EF4-FFF2-40B4-BE49-F238E27FC236}">
+                <a16:creationId xmlns:a16="http://schemas.microsoft.com/office/drawing/2014/main" id="{79AA00C7-B110-4AEF-AF59-614B784188B2}"/>
+              </a:ext>
+            </a:extLst>
+          </p:cNvPr>
+          <p:cNvSpPr>
+            <a:spLocks noGrp="1"/>
+          </p:cNvSpPr>
+          <p:nvPr>
+            <p:ph idx="1"/>
+          </p:nvPr>
+        </p:nvSpPr>
+        <p:spPr>
+          <a:xfrm>
+            <a:off x="838200" y="1171977"/>
+            <a:ext cx="10515600" cy="5434885"/>
+          </a:xfrm>
+        </p:spPr>
+        <p:txBody>
+          <a:bodyPr vert="horz" lIns="91440" tIns="45720" rIns="91440" bIns="45720" rtlCol="0" anchor="t">
+            <a:normAutofit/>
+          </a:bodyPr>
+          <a:lstStyle/>
+          <a:p>
+            <a:pPr marL="0" indent="0">
+              <a:lnSpc>
+                <a:spcPct val="160000"/>
+              </a:lnSpc>
+              <a:spcBef>
+                <a:spcPts val="0"/>
+              </a:spcBef>
+              <a:spcAft>
+                <a:spcPts val="600"/>
+              </a:spcAft>
+              <a:buNone/>
+            </a:pPr>
+            <a:r>
+              <a:rPr lang="en-US" sz="2400" b="1" dirty="0">
+                <a:latin typeface="Times New Roman" panose="02020603050405020304" pitchFamily="18" charset="0"/>
+                <a:cs typeface="Times New Roman" panose="02020603050405020304" pitchFamily="18" charset="0"/>
+              </a:rPr>
+              <a:t>Frontend development:</a:t>
+            </a:r>
+            <a:endParaRPr lang="en-US" sz="2400" b="1" dirty="0">
+              <a:latin typeface="Times New Roman"/>
+              <a:cs typeface="Times New Roman"/>
+            </a:endParaRPr>
+          </a:p>
+          <a:p>
+            <a:pPr>
+              <a:lnSpc>
+                <a:spcPct val="160000"/>
+              </a:lnSpc>
+              <a:spcBef>
+                <a:spcPts val="0"/>
+              </a:spcBef>
+              <a:spcAft>
+                <a:spcPts val="600"/>
+              </a:spcAft>
+            </a:pPr>
+            <a:r>
+              <a:rPr lang="en-US" sz="2400" dirty="0">
+                <a:latin typeface="Times New Roman" panose="02020603050405020304" pitchFamily="18" charset="0"/>
+                <a:cs typeface="Times New Roman" panose="02020603050405020304" pitchFamily="18" charset="0"/>
+              </a:rPr>
+              <a:t>JavaScript – React</a:t>
+            </a:r>
+          </a:p>
+          <a:p>
+            <a:pPr>
+              <a:lnSpc>
+                <a:spcPct val="160000"/>
+              </a:lnSpc>
+              <a:spcBef>
+                <a:spcPts val="0"/>
+              </a:spcBef>
+              <a:spcAft>
+                <a:spcPts val="600"/>
+              </a:spcAft>
+            </a:pPr>
+            <a:r>
+              <a:rPr lang="en-US" sz="2400" dirty="0">
+                <a:latin typeface="Times New Roman"/>
+                <a:cs typeface="Times New Roman"/>
+              </a:rPr>
+              <a:t>CSS</a:t>
+            </a:r>
+            <a:endParaRPr lang="en-US" sz="2400" dirty="0">
+              <a:latin typeface="Times New Roman"/>
+              <a:ea typeface="+mn-lt"/>
+              <a:cs typeface="Times New Roman"/>
+            </a:endParaRPr>
+          </a:p>
+          <a:p>
+            <a:pPr marL="0" indent="0">
+              <a:lnSpc>
+                <a:spcPct val="160000"/>
+              </a:lnSpc>
+              <a:spcBef>
+                <a:spcPts val="0"/>
+              </a:spcBef>
+              <a:spcAft>
+                <a:spcPts val="600"/>
+              </a:spcAft>
+              <a:buNone/>
+            </a:pPr>
+            <a:r>
+              <a:rPr lang="en-US" sz="2400" b="1" dirty="0">
+                <a:latin typeface="Times New Roman"/>
+                <a:cs typeface="Times New Roman"/>
+              </a:rPr>
+              <a:t>Backend development:</a:t>
+            </a:r>
+          </a:p>
+          <a:p>
+            <a:pPr>
+              <a:lnSpc>
+                <a:spcPct val="150000"/>
+              </a:lnSpc>
+              <a:spcBef>
+                <a:spcPts val="0"/>
+              </a:spcBef>
+              <a:spcAft>
+                <a:spcPts val="600"/>
+              </a:spcAft>
+            </a:pPr>
+            <a:r>
+              <a:rPr lang="en-US" sz="2400" dirty="0">
+                <a:latin typeface="Times New Roman"/>
+                <a:cs typeface="Times New Roman"/>
+              </a:rPr>
+              <a:t>Node JS</a:t>
+            </a:r>
+          </a:p>
+          <a:p>
+            <a:pPr>
+              <a:lnSpc>
+                <a:spcPct val="150000"/>
+              </a:lnSpc>
+              <a:spcBef>
+                <a:spcPts val="0"/>
+              </a:spcBef>
+              <a:spcAft>
+                <a:spcPts val="600"/>
+              </a:spcAft>
+            </a:pPr>
+            <a:r>
+              <a:rPr lang="en-US" sz="2400" dirty="0">
+                <a:latin typeface="Times New Roman"/>
+                <a:cs typeface="Times New Roman"/>
+              </a:rPr>
+              <a:t>Mongo DB</a:t>
+            </a:r>
+          </a:p>
+          <a:p>
+            <a:pPr>
+              <a:lnSpc>
+                <a:spcPct val="150000"/>
+              </a:lnSpc>
+              <a:spcBef>
+                <a:spcPts val="0"/>
+              </a:spcBef>
+              <a:spcAft>
+                <a:spcPts val="600"/>
+              </a:spcAft>
+            </a:pPr>
+            <a:r>
+              <a:rPr lang="en-US" sz="2400" dirty="0">
+                <a:latin typeface="Times New Roman"/>
+                <a:cs typeface="Times New Roman"/>
+              </a:rPr>
+              <a:t>Solidity</a:t>
+            </a:r>
+          </a:p>
+          <a:p>
+            <a:pPr>
+              <a:lnSpc>
+                <a:spcPct val="150000"/>
+              </a:lnSpc>
+              <a:spcBef>
+                <a:spcPts val="0"/>
+              </a:spcBef>
+              <a:spcAft>
+                <a:spcPts val="600"/>
+              </a:spcAft>
+            </a:pPr>
+            <a:r>
+              <a:rPr lang="en-US" sz="2400" dirty="0" err="1">
+                <a:latin typeface="Times New Roman"/>
+                <a:cs typeface="Times New Roman"/>
+              </a:rPr>
+              <a:t>InterPlanetary</a:t>
+            </a:r>
+            <a:r>
+              <a:rPr lang="en-US" sz="2400" dirty="0">
+                <a:latin typeface="Times New Roman"/>
+                <a:cs typeface="Times New Roman"/>
+              </a:rPr>
+              <a:t> File System (IPFS)</a:t>
+            </a:r>
+          </a:p>
+          <a:p>
+            <a:pPr marL="0" indent="0">
+              <a:lnSpc>
+                <a:spcPct val="160000"/>
+              </a:lnSpc>
+              <a:spcBef>
+                <a:spcPts val="0"/>
+              </a:spcBef>
+              <a:spcAft>
+                <a:spcPts val="600"/>
+              </a:spcAft>
+              <a:buNone/>
+            </a:pPr>
+            <a:endParaRPr lang="en-US" sz="2400" dirty="0">
+              <a:ea typeface="+mn-lt"/>
+              <a:cs typeface="+mn-lt"/>
+            </a:endParaRPr>
+          </a:p>
+        </p:txBody>
+      </p:sp>
+      <p:sp>
+        <p:nvSpPr>
+          <p:cNvPr id="3" name="TextBox 2">
+            <a:extLst>
+              <a:ext uri="{FF2B5EF4-FFF2-40B4-BE49-F238E27FC236}">
+                <a16:creationId xmlns:a16="http://schemas.microsoft.com/office/drawing/2014/main" id="{47A8F0F3-85FE-4259-9D38-10CF0D287460}"/>
+              </a:ext>
+            </a:extLst>
+          </p:cNvPr>
+          <p:cNvSpPr txBox="1"/>
+          <p:nvPr/>
+        </p:nvSpPr>
+        <p:spPr>
+          <a:xfrm>
+            <a:off x="838200" y="251138"/>
+            <a:ext cx="4874924" cy="769441"/>
+          </a:xfrm>
+          <a:prstGeom prst="rect">
+            <a:avLst/>
+          </a:prstGeom>
+          <a:noFill/>
+        </p:spPr>
+        <p:txBody>
+          <a:bodyPr wrap="none" rtlCol="0">
+            <a:spAutoFit/>
+          </a:bodyPr>
+          <a:lstStyle/>
+          <a:p>
+            <a:r>
+              <a:rPr lang="en-US" sz="4400" b="1" dirty="0">
+                <a:latin typeface="Times New Roman" panose="02020603050405020304" pitchFamily="18" charset="0"/>
+                <a:cs typeface="Times New Roman" panose="02020603050405020304" pitchFamily="18" charset="0"/>
+              </a:rPr>
+              <a:t>PROJECT TOOLS</a:t>
+            </a:r>
+          </a:p>
+        </p:txBody>
+      </p:sp>
+    </p:spTree>
+    <p:extLst>
+      <p:ext uri="{BB962C8B-B14F-4D97-AF65-F5344CB8AC3E}">
+        <p14:creationId xmlns:p14="http://schemas.microsoft.com/office/powerpoint/2010/main" val="587948041"/>
+      </p:ext>
+    </p:extLst>
+  </p:cSld>
+  <p:clrMapOvr>
+    <a:masterClrMapping/>
+  </p:clrMapOvr>
+</p:sld>
+</file>
+
+<file path=ppt/slides/slide18.xml><?xml version="1.0" encoding="utf-8"?>
+<p:sld xmlns:a="http://schemas.openxmlformats.org/drawingml/2006/main" xmlns:r="http://schemas.openxmlformats.org/officeDocument/2006/relationships" xmlns:p="http://schemas.openxmlformats.org/presentationml/2006/main">
+  <p:cSld>
+    <p:spTree>
+      <p:nvGrpSpPr>
+        <p:cNvPr id="1" name=""/>
+        <p:cNvGrpSpPr/>
+        <p:nvPr/>
+      </p:nvGrpSpPr>
+      <p:grpSpPr>
+        <a:xfrm>
+          <a:off x="0" y="0"/>
+          <a:ext cx="0" cy="0"/>
+          <a:chOff x="0" y="0"/>
+          <a:chExt cx="0" cy="0"/>
+        </a:xfrm>
+      </p:grpSpPr>
+      <p:sp>
+        <p:nvSpPr>
           <p:cNvPr id="2" name="Title 1">
             <a:extLst>
               <a:ext uri="{FF2B5EF4-FFF2-40B4-BE49-F238E27FC236}">
@@ -4378,7 +4773,7 @@
         </p:spPr>
         <p:txBody>
           <a:bodyPr>
-            <a:normAutofit/>
+            <a:normAutofit fontScale="77500" lnSpcReduction="20000"/>
           </a:bodyPr>
           <a:lstStyle/>
           <a:p>
@@ -4396,15 +4791,31 @@
             </a:pPr>
             <a:r>
               <a:rPr lang="en-US" sz="2000" dirty="0"/>
-              <a:t>[1] V. </a:t>
+              <a:t>[1] I. </a:t>
             </a:r>
             <a:r>
               <a:rPr lang="en-US" sz="2000" dirty="0" err="1"/>
-              <a:t>Marinkovic</a:t>
+              <a:t>Karamitsos</a:t>
             </a:r>
             <a:r>
               <a:rPr lang="en-US" sz="2000" dirty="0"/>
-              <a:t>, "E-commerce proposal," pp. 2-3, 2020. </a:t>
+              <a:t>, M. </a:t>
+            </a:r>
+            <a:r>
+              <a:rPr lang="en-US" sz="2000" dirty="0" err="1"/>
+              <a:t>Papadaki</a:t>
+            </a:r>
+            <a:r>
+              <a:rPr lang="en-US" sz="2000" dirty="0"/>
+              <a:t>, N. B. Al </a:t>
+            </a:r>
+            <a:r>
+              <a:rPr lang="en-US" sz="2000" dirty="0" err="1"/>
+              <a:t>Barghuthi</a:t>
+            </a:r>
+            <a:r>
+              <a:rPr lang="en-US" sz="2000" dirty="0"/>
+              <a:t> et al., “Design of the blockchain smart contract: A use case for real estate,” Journal of Information Security, vol. 9, no. 03, p. 177, 2018.</a:t>
             </a:r>
           </a:p>
           <a:p>
@@ -4422,7 +4833,7 @@
             </a:pPr>
             <a:r>
               <a:rPr lang="en-US" sz="2000" dirty="0"/>
-              <a:t>[2] D. S. A. Bhat, "A Review Paper on E-Commerce," pp. 2-4, 2016. </a:t>
+              <a:t>[2] V. Chavan and C. Patel, “A study of tokenization of real estate using blockchain technology,” VIVA-Tech International Journal for Research and Innovation, vol. 1,</a:t>
             </a:r>
           </a:p>
           <a:p>
@@ -4440,7 +4851,7 @@
             </a:pPr>
             <a:r>
               <a:rPr lang="en-US" sz="2000" dirty="0"/>
-              <a:t>[3] V. Jain, "An Overview of Electronic Commerce (e-Commerce)," Contemporary Issues in Business and Government, vol. 27, no. 3, pp. 666-669, 2021. </a:t>
+              <a:t>no. 4, pp. 1–8, 2021.</a:t>
             </a:r>
           </a:p>
           <a:p>
@@ -4458,15 +4869,23 @@
             </a:pPr>
             <a:r>
               <a:rPr lang="en-US" sz="2000" dirty="0"/>
-              <a:t>[4] C. W. </a:t>
+              <a:t>[3] B. Wigley and N. Cary, “The future is </a:t>
             </a:r>
             <a:r>
               <a:rPr lang="en-US" sz="2000" dirty="0" err="1"/>
-              <a:t>Steinfield</a:t>
+              <a:t>decentralised</a:t>
             </a:r>
             <a:r>
               <a:rPr lang="en-US" sz="2000" dirty="0"/>
-              <a:t>, "Electronic Commerce and the Local Merchant: Opportunities for Synergy Between Physical and Web," Electronic Markets, vol. 9, pp. 51-57, 1999. </a:t>
+              <a:t>,” United Nations Development </a:t>
+            </a:r>
+            <a:r>
+              <a:rPr lang="en-US" sz="2000" dirty="0" err="1"/>
+              <a:t>Progamme</a:t>
+            </a:r>
+            <a:r>
+              <a:rPr lang="en-US" sz="2000" dirty="0"/>
+              <a:t>.[Electronic Resource]. URL: https://www.undp.org/content/dam/undp/library/innovation/The-Future-is-Decentralised. pdf/(date of access: 09.04. 2020), 2016.</a:t>
             </a:r>
           </a:p>
           <a:p>
@@ -4484,7 +4903,67 @@
             </a:pPr>
             <a:r>
               <a:rPr lang="en-US" sz="2000" dirty="0"/>
-              <a:t>[5] B. Schafer, "E-Commerce Recommendation Applications," 2000.</a:t>
+              <a:t>[4] R. Khan, S. Ansari, S. Jain, and S. Sachdeva, “Blockchain based land registry </a:t>
+            </a:r>
+            <a:r>
+              <a:rPr lang="en-US" sz="2000" dirty="0" err="1"/>
+              <a:t>system</a:t>
+            </a:r>
+            <a:r>
+              <a:rPr lang="en-US" sz="2000" dirty="0"/>
+              <a:t> using </a:t>
+            </a:r>
+            <a:r>
+              <a:rPr lang="en-US" sz="2000" dirty="0" err="1"/>
+              <a:t>ethereum</a:t>
+            </a:r>
+            <a:r>
+              <a:rPr lang="en-US" sz="2000" dirty="0"/>
+              <a:t> blockchain,” J. Xi’an Univ. Archit. Technol, pp. 3640–3648,</a:t>
+            </a:r>
+          </a:p>
+          <a:p>
+            <a:pPr marL="0" indent="0">
+              <a:lnSpc>
+                <a:spcPct val="150000"/>
+              </a:lnSpc>
+              <a:spcBef>
+                <a:spcPts val="0"/>
+              </a:spcBef>
+              <a:spcAft>
+                <a:spcPts val="600"/>
+              </a:spcAft>
+              <a:buNone/>
+            </a:pPr>
+            <a:r>
+              <a:rPr lang="en-US" sz="2000" dirty="0"/>
+              <a:t>2020.</a:t>
+            </a:r>
+          </a:p>
+          <a:p>
+            <a:pPr marL="0" indent="0">
+              <a:lnSpc>
+                <a:spcPct val="150000"/>
+              </a:lnSpc>
+              <a:spcBef>
+                <a:spcPts val="0"/>
+              </a:spcBef>
+              <a:spcAft>
+                <a:spcPts val="600"/>
+              </a:spcAft>
+              <a:buNone/>
+            </a:pPr>
+            <a:r>
+              <a:rPr lang="en-US" sz="2000" dirty="0"/>
+              <a:t>[5] A. </a:t>
+            </a:r>
+            <a:r>
+              <a:rPr lang="en-US" sz="2000" dirty="0" err="1"/>
+              <a:t>Lymbouras</a:t>
+            </a:r>
+            <a:r>
+              <a:rPr lang="en-US" sz="2000" dirty="0"/>
+              <a:t>, “A shallow dive into bitcoin’s blockchain part 2 - transactions,” https://towardsdatascience.com/a-shallow-dive-into-bitcoins-blockchain-part-2-transactions-d4ee83067bae, accessed: 2022-03-08.</a:t>
             </a:r>
             <a:endParaRPr lang="en-US" sz="2000" dirty="0">
               <a:latin typeface="Times New Roman" panose="02020603050405020304" pitchFamily="18" charset="0"/>
@@ -4506,7 +4985,7 @@
 </p:sld>
 </file>
 
-<file path=ppt/slides/slide16.xml><?xml version="1.0" encoding="utf-8"?>
+<file path=ppt/slides/slide19.xml><?xml version="1.0" encoding="utf-8"?>
 <p:sld xmlns:a="http://schemas.openxmlformats.org/drawingml/2006/main" xmlns:r="http://schemas.openxmlformats.org/officeDocument/2006/relationships" xmlns:p="http://schemas.openxmlformats.org/presentationml/2006/main">
   <p:cSld>
     <p:spTree>
@@ -4605,7 +5084,12 @@
             <p:ph type="title"/>
           </p:nvPr>
         </p:nvSpPr>
-        <p:spPr/>
+        <p:spPr>
+          <a:xfrm>
+            <a:off x="838200" y="365125"/>
+            <a:ext cx="10515600" cy="1141703"/>
+          </a:xfrm>
+        </p:spPr>
         <p:txBody>
           <a:bodyPr>
             <a:normAutofit/>
@@ -4685,8 +5169,8 @@
         </p:nvSpPr>
         <p:spPr>
           <a:xfrm>
-            <a:off x="1027262" y="1916902"/>
-            <a:ext cx="10137475" cy="3416320"/>
+            <a:off x="1027262" y="1489377"/>
+            <a:ext cx="10137475" cy="4893647"/>
           </a:xfrm>
           <a:prstGeom prst="rect">
             <a:avLst/>
@@ -4700,6 +5184,9 @@
           <a:lstStyle/>
           <a:p>
             <a:pPr marL="285750" indent="-285750">
+              <a:lnSpc>
+                <a:spcPct val="150000"/>
+              </a:lnSpc>
               <a:buFont typeface="Arial" panose="020B0604020202020204" pitchFamily="34" charset="0"/>
               <a:buChar char="•"/>
             </a:pPr>
@@ -4717,6 +5204,9 @@
           </a:p>
           <a:p>
             <a:pPr marL="285750" indent="-285750">
+              <a:lnSpc>
+                <a:spcPct val="150000"/>
+              </a:lnSpc>
               <a:buFont typeface="Arial" panose="020B0604020202020204" pitchFamily="34" charset="0"/>
               <a:buChar char="•"/>
             </a:pPr>
@@ -4733,6 +5223,11 @@
             </a:r>
           </a:p>
           <a:p>
+            <a:pPr>
+              <a:lnSpc>
+                <a:spcPct val="150000"/>
+              </a:lnSpc>
+            </a:pPr>
             <a:endParaRPr lang="en-US" sz="2400" b="0" i="0" dirty="0">
               <a:solidFill>
                 <a:srgbClr val="1A1A1A"/>
@@ -4744,6 +5239,9 @@
           </a:p>
           <a:p>
             <a:pPr marL="285750" indent="-285750">
+              <a:lnSpc>
+                <a:spcPct val="150000"/>
+              </a:lnSpc>
               <a:buFont typeface="Arial" panose="020B0604020202020204" pitchFamily="34" charset="0"/>
               <a:buChar char="•"/>
             </a:pPr>
@@ -4782,6 +5280,9 @@
           </a:p>
           <a:p>
             <a:pPr marL="285750" indent="-285750">
+              <a:lnSpc>
+                <a:spcPct val="150000"/>
+              </a:lnSpc>
               <a:buFont typeface="Arial" panose="020B0604020202020204" pitchFamily="34" charset="0"/>
               <a:buChar char="•"/>
             </a:pPr>
@@ -4798,6 +5299,9 @@
           </a:p>
           <a:p>
             <a:pPr marL="285750" indent="-285750">
+              <a:lnSpc>
+                <a:spcPct val="150000"/>
+              </a:lnSpc>
               <a:buFont typeface="Arial" panose="020B0604020202020204" pitchFamily="34" charset="0"/>
               <a:buChar char="•"/>
             </a:pPr>
@@ -4814,6 +5318,9 @@
           </a:p>
           <a:p>
             <a:pPr marL="285750" indent="-285750">
+              <a:lnSpc>
+                <a:spcPct val="150000"/>
+              </a:lnSpc>
               <a:buFont typeface="Arial" panose="020B0604020202020204" pitchFamily="34" charset="0"/>
               <a:buChar char="•"/>
             </a:pPr>
@@ -4997,7 +5504,7 @@
                 <a:latin typeface="Times New Roman" panose="02020603050405020304" pitchFamily="18" charset="0"/>
                 <a:cs typeface="Calibri" panose="020F0502020204030204"/>
               </a:rPr>
-              <a:t>Bad Record Keeping</a:t>
+              <a:t>Bad record keeping</a:t>
             </a:r>
             <a:endParaRPr lang="en-US" dirty="0">
               <a:latin typeface="Times New Roman" panose="02020603050405020304" pitchFamily="18" charset="0"/>
@@ -5225,9 +5732,16 @@
             <p:ph type="title"/>
           </p:nvPr>
         </p:nvSpPr>
-        <p:spPr/>
-        <p:txBody>
-          <a:bodyPr/>
+        <p:spPr>
+          <a:xfrm>
+            <a:off x="838200" y="333420"/>
+            <a:ext cx="10515600" cy="825679"/>
+          </a:xfrm>
+        </p:spPr>
+        <p:txBody>
+          <a:bodyPr>
+            <a:normAutofit/>
+          </a:bodyPr>
           <a:lstStyle/>
           <a:p>
             <a:r>
@@ -5258,13 +5772,13 @@
         </p:nvSpPr>
         <p:spPr>
           <a:xfrm>
-            <a:off x="838200" y="1658983"/>
-            <a:ext cx="10515600" cy="4786472"/>
+            <a:off x="838200" y="1365161"/>
+            <a:ext cx="10515600" cy="5080294"/>
           </a:xfrm>
         </p:spPr>
         <p:txBody>
           <a:bodyPr>
-            <a:normAutofit fontScale="92500" lnSpcReduction="20000"/>
+            <a:normAutofit fontScale="92500" lnSpcReduction="10000"/>
           </a:bodyPr>
           <a:lstStyle/>
           <a:p>
@@ -5446,7 +5960,12 @@
             <p:ph type="title"/>
           </p:nvPr>
         </p:nvSpPr>
-        <p:spPr/>
+        <p:spPr>
+          <a:xfrm>
+            <a:off x="838200" y="365125"/>
+            <a:ext cx="10515600" cy="1167461"/>
+          </a:xfrm>
+        </p:spPr>
         <p:txBody>
           <a:bodyPr>
             <a:normAutofit/>
@@ -5481,8 +6000,8 @@
         </p:nvSpPr>
         <p:spPr>
           <a:xfrm>
-            <a:off x="838200" y="1532586"/>
-            <a:ext cx="10515600" cy="4644377"/>
+            <a:off x="838200" y="1365162"/>
+            <a:ext cx="10515600" cy="4811802"/>
           </a:xfrm>
         </p:spPr>
         <p:txBody>
@@ -5856,7 +6375,7 @@
           </p:cNvPicPr>
           <p:nvPr/>
         </p:nvPicPr>
-        <p:blipFill>
+        <p:blipFill rotWithShape="1">
           <a:blip r:embed="rId2">
             <a:extLst>
               <a:ext uri="{28A0092B-C50C-407E-A947-70E740481C1C}">
@@ -5864,14 +6383,13 @@
               </a:ext>
             </a:extLst>
           </a:blip>
-          <a:stretch>
-            <a:fillRect/>
-          </a:stretch>
+          <a:srcRect l="10266" t="6708" r="7476" b="8721"/>
+          <a:stretch/>
         </p:blipFill>
         <p:spPr>
           <a:xfrm>
-            <a:off x="2570670" y="707366"/>
-            <a:ext cx="7953555" cy="5970330"/>
+            <a:off x="3387144" y="1133342"/>
+            <a:ext cx="6542467" cy="5544354"/>
           </a:xfrm>
           <a:prstGeom prst="rect">
             <a:avLst/>
@@ -6102,7 +6620,7 @@
             <p:ph idx="1"/>
           </p:nvPr>
         </p:nvPicPr>
-        <p:blipFill>
+        <p:blipFill rotWithShape="1">
           <a:blip r:embed="rId2">
             <a:extLst>
               <a:ext uri="{28A0092B-C50C-407E-A947-70E740481C1C}">
@@ -6110,14 +6628,13 @@
               </a:ext>
             </a:extLst>
           </a:blip>
-          <a:stretch>
-            <a:fillRect/>
-          </a:stretch>
+          <a:srcRect l="1481" r="6356" b="15263"/>
+          <a:stretch/>
         </p:blipFill>
         <p:spPr>
           <a:xfrm>
-            <a:off x="1604515" y="1164401"/>
-            <a:ext cx="9583946" cy="4995144"/>
+            <a:off x="1004552" y="1164401"/>
+            <a:ext cx="10515600" cy="4515182"/>
           </a:xfrm>
           <a:prstGeom prst="rect">
             <a:avLst/>

--- a/Blockchain.pptx
+++ b/Blockchain.pptx
@@ -3702,13 +3702,13 @@
               </a:ext>
             </a:extLst>
           </a:blip>
-          <a:srcRect t="652"/>
+          <a:srcRect l="3883" t="5580" r="3883" b="7640"/>
           <a:stretch/>
         </p:blipFill>
         <p:spPr>
           <a:xfrm>
-            <a:off x="2041585" y="656823"/>
-            <a:ext cx="8108830" cy="6062266"/>
+            <a:off x="1802921" y="532332"/>
+            <a:ext cx="8358995" cy="5687314"/>
           </a:xfrm>
           <a:prstGeom prst="rect">
             <a:avLst/>
